--- a/Math3190Final.pptx
+++ b/Math3190Final.pptx
@@ -5,10 +5,10 @@
     <p:sldMasterId id="2147483670" r:id="rId4"/>
   </p:sldMasterIdLst>
   <p:notesMasterIdLst>
-    <p:notesMasterId r:id="rId42"/>
+    <p:notesMasterId r:id="rId43"/>
   </p:notesMasterIdLst>
   <p:handoutMasterIdLst>
-    <p:handoutMasterId r:id="rId43"/>
+    <p:handoutMasterId r:id="rId44"/>
   </p:handoutMasterIdLst>
   <p:sldIdLst>
     <p:sldId id="256" r:id="rId5"/>
@@ -28,26 +28,27 @@
     <p:sldId id="289" r:id="rId19"/>
     <p:sldId id="290" r:id="rId20"/>
     <p:sldId id="291" r:id="rId21"/>
-    <p:sldId id="271" r:id="rId22"/>
-    <p:sldId id="272" r:id="rId23"/>
-    <p:sldId id="279" r:id="rId24"/>
-    <p:sldId id="280" r:id="rId25"/>
-    <p:sldId id="281" r:id="rId26"/>
-    <p:sldId id="282" r:id="rId27"/>
-    <p:sldId id="273" r:id="rId28"/>
-    <p:sldId id="275" r:id="rId29"/>
-    <p:sldId id="274" r:id="rId30"/>
-    <p:sldId id="294" r:id="rId31"/>
-    <p:sldId id="277" r:id="rId32"/>
-    <p:sldId id="292" r:id="rId33"/>
-    <p:sldId id="283" r:id="rId34"/>
-    <p:sldId id="284" r:id="rId35"/>
-    <p:sldId id="285" r:id="rId36"/>
-    <p:sldId id="293" r:id="rId37"/>
-    <p:sldId id="286" r:id="rId38"/>
-    <p:sldId id="287" r:id="rId39"/>
-    <p:sldId id="295" r:id="rId40"/>
-    <p:sldId id="288" r:id="rId41"/>
+    <p:sldId id="296" r:id="rId22"/>
+    <p:sldId id="271" r:id="rId23"/>
+    <p:sldId id="272" r:id="rId24"/>
+    <p:sldId id="279" r:id="rId25"/>
+    <p:sldId id="280" r:id="rId26"/>
+    <p:sldId id="281" r:id="rId27"/>
+    <p:sldId id="282" r:id="rId28"/>
+    <p:sldId id="273" r:id="rId29"/>
+    <p:sldId id="275" r:id="rId30"/>
+    <p:sldId id="274" r:id="rId31"/>
+    <p:sldId id="294" r:id="rId32"/>
+    <p:sldId id="277" r:id="rId33"/>
+    <p:sldId id="292" r:id="rId34"/>
+    <p:sldId id="283" r:id="rId35"/>
+    <p:sldId id="284" r:id="rId36"/>
+    <p:sldId id="285" r:id="rId37"/>
+    <p:sldId id="293" r:id="rId38"/>
+    <p:sldId id="286" r:id="rId39"/>
+    <p:sldId id="287" r:id="rId40"/>
+    <p:sldId id="295" r:id="rId41"/>
+    <p:sldId id="288" r:id="rId42"/>
   </p:sldIdLst>
   <p:sldSz cx="12192000" cy="6858000"/>
   <p:notesSz cx="6858000" cy="9144000"/>
@@ -955,7 +956,7 @@
           <a:p>
             <a:fld id="{D5ADF348-2A86-4531-BD4E-BD8C0BBDAD47}" type="slidenum">
               <a:rPr lang="en-US" smtClean="0"/>
-              <a:t>23</a:t>
+              <a:t>24</a:t>
             </a:fld>
             <a:endParaRPr lang="en-US" dirty="0"/>
           </a:p>
@@ -1039,7 +1040,7 @@
           <a:p>
             <a:fld id="{D5ADF348-2A86-4531-BD4E-BD8C0BBDAD47}" type="slidenum">
               <a:rPr lang="en-US" smtClean="0"/>
-              <a:t>26</a:t>
+              <a:t>27</a:t>
             </a:fld>
             <a:endParaRPr lang="en-US" dirty="0"/>
           </a:p>
@@ -1126,7 +1127,7 @@
           <a:p>
             <a:fld id="{D5ADF348-2A86-4531-BD4E-BD8C0BBDAD47}" type="slidenum">
               <a:rPr lang="en-US" smtClean="0"/>
-              <a:t>27</a:t>
+              <a:t>28</a:t>
             </a:fld>
             <a:endParaRPr lang="en-US" dirty="0"/>
           </a:p>
@@ -1210,7 +1211,7 @@
           <a:p>
             <a:fld id="{D5ADF348-2A86-4531-BD4E-BD8C0BBDAD47}" type="slidenum">
               <a:rPr lang="en-US" smtClean="0"/>
-              <a:t>31</a:t>
+              <a:t>32</a:t>
             </a:fld>
             <a:endParaRPr lang="en-US" dirty="0"/>
           </a:p>
@@ -1294,7 +1295,7 @@
           <a:p>
             <a:fld id="{D5ADF348-2A86-4531-BD4E-BD8C0BBDAD47}" type="slidenum">
               <a:rPr lang="en-US" smtClean="0"/>
-              <a:t>32</a:t>
+              <a:t>33</a:t>
             </a:fld>
             <a:endParaRPr lang="en-US" dirty="0"/>
           </a:p>
@@ -1381,7 +1382,7 @@
           <a:p>
             <a:fld id="{D5ADF348-2A86-4531-BD4E-BD8C0BBDAD47}" type="slidenum">
               <a:rPr lang="en-US" smtClean="0"/>
-              <a:t>36</a:t>
+              <a:t>37</a:t>
             </a:fld>
             <a:endParaRPr lang="en-US" dirty="0"/>
           </a:p>
@@ -7772,7 +7773,7 @@
           <p:cNvPr id="2" name="Title 1">
             <a:extLst>
               <a:ext uri="{FF2B5EF4-FFF2-40B4-BE49-F238E27FC236}">
-                <a16:creationId xmlns:a16="http://schemas.microsoft.com/office/drawing/2014/main" id="{019C4DCB-02BA-9D02-79BA-EFE12CC421D9}"/>
+                <a16:creationId xmlns:a16="http://schemas.microsoft.com/office/drawing/2014/main" id="{90897893-2955-8342-42D6-ACD818BF9E7F}"/>
               </a:ext>
             </a:extLst>
           </p:cNvPr>
@@ -7785,20 +7786,93 @@
         </p:nvSpPr>
         <p:spPr/>
         <p:txBody>
+          <a:bodyPr>
+            <a:normAutofit/>
+          </a:bodyPr>
+          <a:lstStyle/>
+          <a:p>
+            <a:r>
+              <a:rPr lang="en-US" dirty="0"/>
+              <a:t>Parameters</a:t>
+            </a:r>
+          </a:p>
+        </p:txBody>
+      </p:sp>
+      <p:sp>
+        <p:nvSpPr>
+          <p:cNvPr id="3" name="Content Placeholder 2">
+            <a:extLst>
+              <a:ext uri="{FF2B5EF4-FFF2-40B4-BE49-F238E27FC236}">
+                <a16:creationId xmlns:a16="http://schemas.microsoft.com/office/drawing/2014/main" id="{82F067EA-6088-6191-D5E6-794471F9796E}"/>
+              </a:ext>
+            </a:extLst>
+          </p:cNvPr>
+          <p:cNvSpPr>
+            <a:spLocks noGrp="1"/>
+          </p:cNvSpPr>
+          <p:nvPr>
+            <p:ph idx="1"/>
+          </p:nvPr>
+        </p:nvSpPr>
+        <p:spPr/>
+        <p:txBody>
           <a:bodyPr/>
           <a:lstStyle/>
           <a:p>
             <a:r>
+              <a:rPr lang="en-US" b="0" i="0" dirty="0">
+                <a:solidFill>
+                  <a:srgbClr val="000000"/>
+                </a:solidFill>
+                <a:effectLst/>
+              </a:rPr>
+              <a:t>The cost parameter is the cost of misclassifying a data point. A higher cost will lead to a more complex model that will try to classify all data points correctly. The gamma parameter controls how far the influence of a single training example reaches.</a:t>
+            </a:r>
+          </a:p>
+          <a:p>
+            <a:endParaRPr lang="en-US" dirty="0"/>
+          </a:p>
+          <a:p>
+            <a:r>
               <a:rPr lang="en-US" dirty="0"/>
-              <a:t>Example 1</a:t>
+              <a:t>In summary high cost and gamma values result in over fitting, while low values result in underfitting</a:t>
             </a:r>
+          </a:p>
+        </p:txBody>
+      </p:sp>
+      <p:sp>
+        <p:nvSpPr>
+          <p:cNvPr id="4" name="Slide Number Placeholder 3">
+            <a:extLst>
+              <a:ext uri="{FF2B5EF4-FFF2-40B4-BE49-F238E27FC236}">
+                <a16:creationId xmlns:a16="http://schemas.microsoft.com/office/drawing/2014/main" id="{1EEE3734-B3AB-63AD-C12B-7062965CEB25}"/>
+              </a:ext>
+            </a:extLst>
+          </p:cNvPr>
+          <p:cNvSpPr>
+            <a:spLocks noGrp="1"/>
+          </p:cNvSpPr>
+          <p:nvPr>
+            <p:ph type="sldNum" sz="quarter" idx="12"/>
+          </p:nvPr>
+        </p:nvSpPr>
+        <p:spPr/>
+        <p:txBody>
+          <a:bodyPr/>
+          <a:lstStyle/>
+          <a:p>
+            <a:fld id="{27CE633F-9882-4A5C-83A2-1109D0C73261}" type="slidenum">
+              <a:rPr lang="en-US" smtClean="0"/>
+              <a:t>18</a:t>
+            </a:fld>
+            <a:endParaRPr lang="en-US" dirty="0"/>
           </a:p>
         </p:txBody>
       </p:sp>
     </p:spTree>
     <p:extLst>
       <p:ext uri="{BB962C8B-B14F-4D97-AF65-F5344CB8AC3E}">
-        <p14:creationId xmlns:p14="http://schemas.microsoft.com/office/powerpoint/2010/main" val="274859647"/>
+        <p14:creationId xmlns:p14="http://schemas.microsoft.com/office/powerpoint/2010/main" val="4204586955"/>
       </p:ext>
     </p:extLst>
   </p:cSld>
@@ -7830,7 +7904,7 @@
           <p:cNvPr id="2" name="Title 1">
             <a:extLst>
               <a:ext uri="{FF2B5EF4-FFF2-40B4-BE49-F238E27FC236}">
-                <a16:creationId xmlns:a16="http://schemas.microsoft.com/office/drawing/2014/main" id="{A41F8D5A-6D38-7CF5-D98A-B2C4A2782EDA}"/>
+                <a16:creationId xmlns:a16="http://schemas.microsoft.com/office/drawing/2014/main" id="{019C4DCB-02BA-9D02-79BA-EFE12CC421D9}"/>
               </a:ext>
             </a:extLst>
           </p:cNvPr>
@@ -7848,73 +7922,15 @@
           <a:p>
             <a:r>
               <a:rPr lang="en-US" dirty="0"/>
-              <a:t>Generated data</a:t>
+              <a:t>Example 1</a:t>
             </a:r>
-          </a:p>
-        </p:txBody>
-      </p:sp>
-      <p:pic>
-        <p:nvPicPr>
-          <p:cNvPr id="6" name="Content Placeholder 5">
-            <a:extLst>
-              <a:ext uri="{FF2B5EF4-FFF2-40B4-BE49-F238E27FC236}">
-                <a16:creationId xmlns:a16="http://schemas.microsoft.com/office/drawing/2014/main" id="{452835BD-77AC-D9F9-66E6-8894C6E48E9F}"/>
-              </a:ext>
-            </a:extLst>
-          </p:cNvPr>
-          <p:cNvPicPr>
-            <a:picLocks noGrp="1" noChangeAspect="1"/>
-          </p:cNvPicPr>
-          <p:nvPr>
-            <p:ph idx="1"/>
-          </p:nvPr>
-        </p:nvPicPr>
-        <p:blipFill>
-          <a:blip r:embed="rId2"/>
-          <a:stretch>
-            <a:fillRect/>
-          </a:stretch>
-        </p:blipFill>
-        <p:spPr>
-          <a:xfrm>
-            <a:off x="1987063" y="2619093"/>
-            <a:ext cx="7069014" cy="3921093"/>
-          </a:xfrm>
-        </p:spPr>
-      </p:pic>
-      <p:sp>
-        <p:nvSpPr>
-          <p:cNvPr id="4" name="Slide Number Placeholder 3">
-            <a:extLst>
-              <a:ext uri="{FF2B5EF4-FFF2-40B4-BE49-F238E27FC236}">
-                <a16:creationId xmlns:a16="http://schemas.microsoft.com/office/drawing/2014/main" id="{71EA364E-60C8-CA24-E5D0-D2DD1D6EA013}"/>
-              </a:ext>
-            </a:extLst>
-          </p:cNvPr>
-          <p:cNvSpPr>
-            <a:spLocks noGrp="1"/>
-          </p:cNvSpPr>
-          <p:nvPr>
-            <p:ph type="sldNum" sz="quarter" idx="12"/>
-          </p:nvPr>
-        </p:nvSpPr>
-        <p:spPr/>
-        <p:txBody>
-          <a:bodyPr/>
-          <a:lstStyle/>
-          <a:p>
-            <a:fld id="{27CE633F-9882-4A5C-83A2-1109D0C73261}" type="slidenum">
-              <a:rPr lang="en-US" smtClean="0"/>
-              <a:t>19</a:t>
-            </a:fld>
-            <a:endParaRPr lang="en-US" dirty="0"/>
           </a:p>
         </p:txBody>
       </p:sp>
     </p:spTree>
     <p:extLst>
       <p:ext uri="{BB962C8B-B14F-4D97-AF65-F5344CB8AC3E}">
-        <p14:creationId xmlns:p14="http://schemas.microsoft.com/office/powerpoint/2010/main" val="2963345000"/>
+        <p14:creationId xmlns:p14="http://schemas.microsoft.com/office/powerpoint/2010/main" val="274859647"/>
       </p:ext>
     </p:extLst>
   </p:cSld>
@@ -8207,6 +8223,122 @@
           <p:cNvPr id="2" name="Title 1">
             <a:extLst>
               <a:ext uri="{FF2B5EF4-FFF2-40B4-BE49-F238E27FC236}">
+                <a16:creationId xmlns:a16="http://schemas.microsoft.com/office/drawing/2014/main" id="{A41F8D5A-6D38-7CF5-D98A-B2C4A2782EDA}"/>
+              </a:ext>
+            </a:extLst>
+          </p:cNvPr>
+          <p:cNvSpPr>
+            <a:spLocks noGrp="1"/>
+          </p:cNvSpPr>
+          <p:nvPr>
+            <p:ph type="title"/>
+          </p:nvPr>
+        </p:nvSpPr>
+        <p:spPr/>
+        <p:txBody>
+          <a:bodyPr/>
+          <a:lstStyle/>
+          <a:p>
+            <a:r>
+              <a:rPr lang="en-US" dirty="0"/>
+              <a:t>Generated data</a:t>
+            </a:r>
+          </a:p>
+        </p:txBody>
+      </p:sp>
+      <p:pic>
+        <p:nvPicPr>
+          <p:cNvPr id="6" name="Content Placeholder 5">
+            <a:extLst>
+              <a:ext uri="{FF2B5EF4-FFF2-40B4-BE49-F238E27FC236}">
+                <a16:creationId xmlns:a16="http://schemas.microsoft.com/office/drawing/2014/main" id="{452835BD-77AC-D9F9-66E6-8894C6E48E9F}"/>
+              </a:ext>
+            </a:extLst>
+          </p:cNvPr>
+          <p:cNvPicPr>
+            <a:picLocks noGrp="1" noChangeAspect="1"/>
+          </p:cNvPicPr>
+          <p:nvPr>
+            <p:ph idx="1"/>
+          </p:nvPr>
+        </p:nvPicPr>
+        <p:blipFill>
+          <a:blip r:embed="rId2"/>
+          <a:stretch>
+            <a:fillRect/>
+          </a:stretch>
+        </p:blipFill>
+        <p:spPr>
+          <a:xfrm>
+            <a:off x="1987063" y="2619093"/>
+            <a:ext cx="7069014" cy="3921093"/>
+          </a:xfrm>
+        </p:spPr>
+      </p:pic>
+      <p:sp>
+        <p:nvSpPr>
+          <p:cNvPr id="4" name="Slide Number Placeholder 3">
+            <a:extLst>
+              <a:ext uri="{FF2B5EF4-FFF2-40B4-BE49-F238E27FC236}">
+                <a16:creationId xmlns:a16="http://schemas.microsoft.com/office/drawing/2014/main" id="{71EA364E-60C8-CA24-E5D0-D2DD1D6EA013}"/>
+              </a:ext>
+            </a:extLst>
+          </p:cNvPr>
+          <p:cNvSpPr>
+            <a:spLocks noGrp="1"/>
+          </p:cNvSpPr>
+          <p:nvPr>
+            <p:ph type="sldNum" sz="quarter" idx="12"/>
+          </p:nvPr>
+        </p:nvSpPr>
+        <p:spPr/>
+        <p:txBody>
+          <a:bodyPr/>
+          <a:lstStyle/>
+          <a:p>
+            <a:fld id="{27CE633F-9882-4A5C-83A2-1109D0C73261}" type="slidenum">
+              <a:rPr lang="en-US" smtClean="0"/>
+              <a:t>20</a:t>
+            </a:fld>
+            <a:endParaRPr lang="en-US" dirty="0"/>
+          </a:p>
+        </p:txBody>
+      </p:sp>
+    </p:spTree>
+    <p:extLst>
+      <p:ext uri="{BB962C8B-B14F-4D97-AF65-F5344CB8AC3E}">
+        <p14:creationId xmlns:p14="http://schemas.microsoft.com/office/powerpoint/2010/main" val="2963345000"/>
+      </p:ext>
+    </p:extLst>
+  </p:cSld>
+  <p:clrMapOvr>
+    <a:masterClrMapping/>
+  </p:clrMapOvr>
+</p:sld>
+</file>
+
+<file path=ppt/slides/slide21.xml><?xml version="1.0" encoding="utf-8"?>
+<p:sld xmlns:a="http://schemas.openxmlformats.org/drawingml/2006/main" xmlns:r="http://schemas.openxmlformats.org/officeDocument/2006/relationships" xmlns:p="http://schemas.openxmlformats.org/presentationml/2006/main">
+  <p:cSld>
+    <p:spTree>
+      <p:nvGrpSpPr>
+        <p:cNvPr id="1" name=""/>
+        <p:cNvGrpSpPr/>
+        <p:nvPr/>
+      </p:nvGrpSpPr>
+      <p:grpSpPr>
+        <a:xfrm>
+          <a:off x="0" y="0"/>
+          <a:ext cx="0" cy="0"/>
+          <a:chOff x="0" y="0"/>
+          <a:chExt cx="0" cy="0"/>
+        </a:xfrm>
+      </p:grpSpPr>
+      <p:sp>
+        <p:nvSpPr>
+          <p:cNvPr id="2" name="Title 1">
+            <a:extLst>
+              <a:ext uri="{FF2B5EF4-FFF2-40B4-BE49-F238E27FC236}">
                 <a16:creationId xmlns:a16="http://schemas.microsoft.com/office/drawing/2014/main" id="{4AA4073B-897D-1BEB-AC2A-FB08824841F8}"/>
               </a:ext>
             </a:extLst>
@@ -9171,7 +9303,7 @@
           <a:p>
             <a:fld id="{294A09A9-5501-47C1-A89A-A340965A2BE2}" type="slidenum">
               <a:rPr lang="en-US" smtClean="0"/>
-              <a:t>20</a:t>
+              <a:t>21</a:t>
             </a:fld>
             <a:endParaRPr lang="en-US" dirty="0"/>
           </a:p>
@@ -9190,7 +9322,7 @@
 </p:sld>
 </file>
 
-<file path=ppt/slides/slide21.xml><?xml version="1.0" encoding="utf-8"?>
+<file path=ppt/slides/slide22.xml><?xml version="1.0" encoding="utf-8"?>
 <p:sld xmlns:a="http://schemas.openxmlformats.org/drawingml/2006/main" xmlns:r="http://schemas.openxmlformats.org/officeDocument/2006/relationships" xmlns:p="http://schemas.openxmlformats.org/presentationml/2006/main">
   <p:cSld>
     <p:spTree>
@@ -10333,7 +10465,7 @@
           <a:p>
             <a:fld id="{294A09A9-5501-47C1-A89A-A340965A2BE2}" type="slidenum">
               <a:rPr lang="en-US" smtClean="0"/>
-              <a:t>21</a:t>
+              <a:t>22</a:t>
             </a:fld>
             <a:endParaRPr lang="en-US" dirty="0"/>
           </a:p>
@@ -10352,7 +10484,7 @@
 </p:sld>
 </file>
 
-<file path=ppt/slides/slide22.xml><?xml version="1.0" encoding="utf-8"?>
+<file path=ppt/slides/slide23.xml><?xml version="1.0" encoding="utf-8"?>
 <p:sld xmlns:a="http://schemas.openxmlformats.org/drawingml/2006/main" xmlns:r="http://schemas.openxmlformats.org/officeDocument/2006/relationships" xmlns:p="http://schemas.openxmlformats.org/presentationml/2006/main">
   <p:cSld>
     <p:spTree>
@@ -11197,7 +11329,7 @@
                     <a:p>
                       <a:pPr rtl="0" fontAlgn="b"/>
                       <a:r>
-                        <a:rPr lang="en-US" sz="1200" b="0">
+                        <a:rPr lang="en-US" sz="1200" b="0" dirty="0">
                           <a:effectLst/>
                           <a:latin typeface="Times New Roman" panose="02020603050405020304" pitchFamily="18" charset="0"/>
                         </a:rPr>
@@ -11309,7 +11441,7 @@
           <a:p>
             <a:fld id="{294A09A9-5501-47C1-A89A-A340965A2BE2}" type="slidenum">
               <a:rPr lang="en-US" smtClean="0"/>
-              <a:t>22</a:t>
+              <a:t>23</a:t>
             </a:fld>
             <a:endParaRPr lang="en-US" dirty="0"/>
           </a:p>
@@ -11345,6 +11477,36 @@
           </a:prstGeom>
         </p:spPr>
       </p:pic>
+      <p:pic>
+        <p:nvPicPr>
+          <p:cNvPr id="6" name="Picture 5" descr="A bar code with red and blue dots&#10;&#10;Description automatically generated">
+            <a:extLst>
+              <a:ext uri="{FF2B5EF4-FFF2-40B4-BE49-F238E27FC236}">
+                <a16:creationId xmlns:a16="http://schemas.microsoft.com/office/drawing/2014/main" id="{3C8A0E9F-AC94-404D-EE98-8C86410CE8A9}"/>
+              </a:ext>
+            </a:extLst>
+          </p:cNvPr>
+          <p:cNvPicPr>
+            <a:picLocks noChangeAspect="1"/>
+          </p:cNvPicPr>
+          <p:nvPr/>
+        </p:nvPicPr>
+        <p:blipFill>
+          <a:blip r:embed="rId3"/>
+          <a:stretch>
+            <a:fillRect/>
+          </a:stretch>
+        </p:blipFill>
+        <p:spPr>
+          <a:xfrm>
+            <a:off x="6206481" y="3326654"/>
+            <a:ext cx="4353001" cy="2512964"/>
+          </a:xfrm>
+          <a:prstGeom prst="rect">
+            <a:avLst/>
+          </a:prstGeom>
+        </p:spPr>
+      </p:pic>
     </p:spTree>
     <p:extLst>
       <p:ext uri="{BB962C8B-B14F-4D97-AF65-F5344CB8AC3E}">
@@ -11358,7 +11520,7 @@
 </p:sld>
 </file>
 
-<file path=ppt/slides/slide23.xml><?xml version="1.0" encoding="utf-8"?>
+<file path=ppt/slides/slide24.xml><?xml version="1.0" encoding="utf-8"?>
 <p:sld xmlns:a="http://schemas.openxmlformats.org/drawingml/2006/main" xmlns:r="http://schemas.openxmlformats.org/officeDocument/2006/relationships" xmlns:p="http://schemas.openxmlformats.org/presentationml/2006/main">
   <p:cSld>
     <p:spTree>
@@ -12323,7 +12485,7 @@
           <a:p>
             <a:fld id="{294A09A9-5501-47C1-A89A-A340965A2BE2}" type="slidenum">
               <a:rPr lang="en-US" smtClean="0"/>
-              <a:t>23</a:t>
+              <a:t>24</a:t>
             </a:fld>
             <a:endParaRPr lang="en-US" dirty="0"/>
           </a:p>
@@ -12372,7 +12534,7 @@
 </p:sld>
 </file>
 
-<file path=ppt/slides/slide24.xml><?xml version="1.0" encoding="utf-8"?>
+<file path=ppt/slides/slide25.xml><?xml version="1.0" encoding="utf-8"?>
 <p:sld xmlns:a="http://schemas.openxmlformats.org/drawingml/2006/main" xmlns:r="http://schemas.openxmlformats.org/officeDocument/2006/relationships" xmlns:p="http://schemas.openxmlformats.org/presentationml/2006/main">
   <p:cSld>
     <p:spTree>
@@ -12592,7 +12754,7 @@
           <a:p>
             <a:fld id="{294A09A9-5501-47C1-A89A-A340965A2BE2}" type="slidenum">
               <a:rPr lang="en-US" smtClean="0"/>
-              <a:t>24</a:t>
+              <a:t>25</a:t>
             </a:fld>
             <a:endParaRPr lang="en-US" dirty="0"/>
           </a:p>
@@ -13452,7 +13614,7 @@
 </p:sld>
 </file>
 
-<file path=ppt/slides/slide25.xml><?xml version="1.0" encoding="utf-8"?>
+<file path=ppt/slides/slide26.xml><?xml version="1.0" encoding="utf-8"?>
 <p:sld xmlns:a="http://schemas.openxmlformats.org/drawingml/2006/main" xmlns:r="http://schemas.openxmlformats.org/officeDocument/2006/relationships" xmlns:p="http://schemas.openxmlformats.org/presentationml/2006/main">
   <p:cSld>
     <p:spTree>
@@ -13594,7 +13756,7 @@
           <a:p>
             <a:fld id="{27CE633F-9882-4A5C-83A2-1109D0C73261}" type="slidenum">
               <a:rPr lang="en-US" smtClean="0"/>
-              <a:t>25</a:t>
+              <a:t>26</a:t>
             </a:fld>
             <a:endParaRPr lang="en-US" dirty="0"/>
           </a:p>
@@ -14556,7 +14718,7 @@
 </p:sld>
 </file>
 
-<file path=ppt/slides/slide26.xml><?xml version="1.0" encoding="utf-8"?>
+<file path=ppt/slides/slide27.xml><?xml version="1.0" encoding="utf-8"?>
 <p:sld xmlns:a="http://schemas.openxmlformats.org/drawingml/2006/main" xmlns:r="http://schemas.openxmlformats.org/officeDocument/2006/relationships" xmlns:p="http://schemas.openxmlformats.org/presentationml/2006/main">
   <p:cSld>
     <p:spTree>
@@ -15619,7 +15781,7 @@
           <a:p>
             <a:fld id="{294A09A9-5501-47C1-A89A-A340965A2BE2}" type="slidenum">
               <a:rPr lang="en-US" smtClean="0"/>
-              <a:t>26</a:t>
+              <a:t>27</a:t>
             </a:fld>
             <a:endParaRPr lang="en-US" dirty="0"/>
           </a:p>
@@ -15638,7 +15800,7 @@
 </p:sld>
 </file>
 
-<file path=ppt/slides/slide27.xml><?xml version="1.0" encoding="utf-8"?>
+<file path=ppt/slides/slide28.xml><?xml version="1.0" encoding="utf-8"?>
 <p:sld xmlns:a="http://schemas.openxmlformats.org/drawingml/2006/main" xmlns:r="http://schemas.openxmlformats.org/officeDocument/2006/relationships" xmlns:p="http://schemas.openxmlformats.org/presentationml/2006/main">
   <p:cSld>
     <p:spTree>
@@ -16595,7 +16757,7 @@
           <a:p>
             <a:fld id="{294A09A9-5501-47C1-A89A-A340965A2BE2}" type="slidenum">
               <a:rPr lang="en-US" smtClean="0"/>
-              <a:t>27</a:t>
+              <a:t>28</a:t>
             </a:fld>
             <a:endParaRPr lang="en-US" dirty="0"/>
           </a:p>
@@ -17446,7 +17608,7 @@
 </p:sld>
 </file>
 
-<file path=ppt/slides/slide28.xml><?xml version="1.0" encoding="utf-8"?>
+<file path=ppt/slides/slide29.xml><?xml version="1.0" encoding="utf-8"?>
 <p:sld xmlns:a="http://schemas.openxmlformats.org/drawingml/2006/main" xmlns:r="http://schemas.openxmlformats.org/officeDocument/2006/relationships" xmlns:p="http://schemas.openxmlformats.org/presentationml/2006/main">
   <p:cSld>
     <p:spTree>
@@ -17599,7 +17761,7 @@
           <a:p>
             <a:fld id="{294A09A9-5501-47C1-A89A-A340965A2BE2}" type="slidenum">
               <a:rPr lang="en-US" smtClean="0"/>
-              <a:t>28</a:t>
+              <a:t>29</a:t>
             </a:fld>
             <a:endParaRPr lang="en-US" dirty="0"/>
           </a:p>
@@ -18479,64 +18641,6 @@
     <p:extLst>
       <p:ext uri="{BB962C8B-B14F-4D97-AF65-F5344CB8AC3E}">
         <p14:creationId xmlns:p14="http://schemas.microsoft.com/office/powerpoint/2010/main" val="3411080227"/>
-      </p:ext>
-    </p:extLst>
-  </p:cSld>
-  <p:clrMapOvr>
-    <a:masterClrMapping/>
-  </p:clrMapOvr>
-</p:sld>
-</file>
-
-<file path=ppt/slides/slide29.xml><?xml version="1.0" encoding="utf-8"?>
-<p:sld xmlns:a="http://schemas.openxmlformats.org/drawingml/2006/main" xmlns:r="http://schemas.openxmlformats.org/officeDocument/2006/relationships" xmlns:p="http://schemas.openxmlformats.org/presentationml/2006/main">
-  <p:cSld>
-    <p:spTree>
-      <p:nvGrpSpPr>
-        <p:cNvPr id="1" name=""/>
-        <p:cNvGrpSpPr/>
-        <p:nvPr/>
-      </p:nvGrpSpPr>
-      <p:grpSpPr>
-        <a:xfrm>
-          <a:off x="0" y="0"/>
-          <a:ext cx="0" cy="0"/>
-          <a:chOff x="0" y="0"/>
-          <a:chExt cx="0" cy="0"/>
-        </a:xfrm>
-      </p:grpSpPr>
-      <p:sp>
-        <p:nvSpPr>
-          <p:cNvPr id="2" name="Title 1">
-            <a:extLst>
-              <a:ext uri="{FF2B5EF4-FFF2-40B4-BE49-F238E27FC236}">
-                <a16:creationId xmlns:a16="http://schemas.microsoft.com/office/drawing/2014/main" id="{019C4DCB-02BA-9D02-79BA-EFE12CC421D9}"/>
-              </a:ext>
-            </a:extLst>
-          </p:cNvPr>
-          <p:cNvSpPr>
-            <a:spLocks noGrp="1"/>
-          </p:cNvSpPr>
-          <p:nvPr>
-            <p:ph type="title"/>
-          </p:nvPr>
-        </p:nvSpPr>
-        <p:spPr/>
-        <p:txBody>
-          <a:bodyPr/>
-          <a:lstStyle/>
-          <a:p>
-            <a:r>
-              <a:rPr lang="en-US" dirty="0"/>
-              <a:t>Example 2</a:t>
-            </a:r>
-          </a:p>
-        </p:txBody>
-      </p:sp>
-    </p:spTree>
-    <p:extLst>
-      <p:ext uri="{BB962C8B-B14F-4D97-AF65-F5344CB8AC3E}">
-        <p14:creationId xmlns:p14="http://schemas.microsoft.com/office/powerpoint/2010/main" val="870409299"/>
       </p:ext>
     </p:extLst>
   </p:cSld>
@@ -18750,6 +18854,64 @@
       </p:grpSpPr>
       <p:sp>
         <p:nvSpPr>
+          <p:cNvPr id="2" name="Title 1">
+            <a:extLst>
+              <a:ext uri="{FF2B5EF4-FFF2-40B4-BE49-F238E27FC236}">
+                <a16:creationId xmlns:a16="http://schemas.microsoft.com/office/drawing/2014/main" id="{019C4DCB-02BA-9D02-79BA-EFE12CC421D9}"/>
+              </a:ext>
+            </a:extLst>
+          </p:cNvPr>
+          <p:cNvSpPr>
+            <a:spLocks noGrp="1"/>
+          </p:cNvSpPr>
+          <p:nvPr>
+            <p:ph type="title"/>
+          </p:nvPr>
+        </p:nvSpPr>
+        <p:spPr/>
+        <p:txBody>
+          <a:bodyPr/>
+          <a:lstStyle/>
+          <a:p>
+            <a:r>
+              <a:rPr lang="en-US" dirty="0"/>
+              <a:t>Example 2</a:t>
+            </a:r>
+          </a:p>
+        </p:txBody>
+      </p:sp>
+    </p:spTree>
+    <p:extLst>
+      <p:ext uri="{BB962C8B-B14F-4D97-AF65-F5344CB8AC3E}">
+        <p14:creationId xmlns:p14="http://schemas.microsoft.com/office/powerpoint/2010/main" val="870409299"/>
+      </p:ext>
+    </p:extLst>
+  </p:cSld>
+  <p:clrMapOvr>
+    <a:masterClrMapping/>
+  </p:clrMapOvr>
+</p:sld>
+</file>
+
+<file path=ppt/slides/slide31.xml><?xml version="1.0" encoding="utf-8"?>
+<p:sld xmlns:a="http://schemas.openxmlformats.org/drawingml/2006/main" xmlns:r="http://schemas.openxmlformats.org/officeDocument/2006/relationships" xmlns:p="http://schemas.openxmlformats.org/presentationml/2006/main">
+  <p:cSld>
+    <p:spTree>
+      <p:nvGrpSpPr>
+        <p:cNvPr id="1" name=""/>
+        <p:cNvGrpSpPr/>
+        <p:nvPr/>
+      </p:nvGrpSpPr>
+      <p:grpSpPr>
+        <a:xfrm>
+          <a:off x="0" y="0"/>
+          <a:ext cx="0" cy="0"/>
+          <a:chOff x="0" y="0"/>
+          <a:chExt cx="0" cy="0"/>
+        </a:xfrm>
+      </p:grpSpPr>
+      <p:sp>
+        <p:nvSpPr>
           <p:cNvPr id="5" name="Slide Number Placeholder 4">
             <a:extLst>
               <a:ext uri="{FF2B5EF4-FFF2-40B4-BE49-F238E27FC236}">
@@ -18772,7 +18934,7 @@
             <a:fld id="{294A09A9-5501-47C1-A89A-A340965A2BE2}" type="slidenum">
               <a:rPr lang="en-US" smtClean="0"/>
               <a:pPr/>
-              <a:t>30</a:t>
+              <a:t>31</a:t>
             </a:fld>
             <a:endParaRPr lang="en-US" dirty="0"/>
           </a:p>
@@ -18879,7 +19041,7 @@
 </p:sld>
 </file>
 
-<file path=ppt/slides/slide31.xml><?xml version="1.0" encoding="utf-8"?>
+<file path=ppt/slides/slide32.xml><?xml version="1.0" encoding="utf-8"?>
 <p:sld xmlns:a="http://schemas.openxmlformats.org/drawingml/2006/main" xmlns:r="http://schemas.openxmlformats.org/officeDocument/2006/relationships" xmlns:p="http://schemas.openxmlformats.org/presentationml/2006/main">
   <p:cSld>
     <p:spTree>
@@ -19836,7 +19998,7 @@
           <a:p>
             <a:fld id="{294A09A9-5501-47C1-A89A-A340965A2BE2}" type="slidenum">
               <a:rPr lang="en-US" smtClean="0"/>
-              <a:t>31</a:t>
+              <a:t>32</a:t>
             </a:fld>
             <a:endParaRPr lang="en-US" dirty="0"/>
           </a:p>
@@ -19915,7 +20077,7 @@
 </p:sld>
 </file>
 
-<file path=ppt/slides/slide32.xml><?xml version="1.0" encoding="utf-8"?>
+<file path=ppt/slides/slide33.xml><?xml version="1.0" encoding="utf-8"?>
 <p:sld xmlns:a="http://schemas.openxmlformats.org/drawingml/2006/main" xmlns:r="http://schemas.openxmlformats.org/officeDocument/2006/relationships" xmlns:p="http://schemas.openxmlformats.org/presentationml/2006/main">
   <p:cSld>
     <p:spTree>
@@ -20876,7 +21038,7 @@
           <a:p>
             <a:fld id="{294A09A9-5501-47C1-A89A-A340965A2BE2}" type="slidenum">
               <a:rPr lang="en-US" smtClean="0"/>
-              <a:t>32</a:t>
+              <a:t>33</a:t>
             </a:fld>
             <a:endParaRPr lang="en-US" dirty="0"/>
           </a:p>
@@ -20955,7 +21117,7 @@
 </p:sld>
 </file>
 
-<file path=ppt/slides/slide33.xml><?xml version="1.0" encoding="utf-8"?>
+<file path=ppt/slides/slide34.xml><?xml version="1.0" encoding="utf-8"?>
 <p:sld xmlns:a="http://schemas.openxmlformats.org/drawingml/2006/main" xmlns:r="http://schemas.openxmlformats.org/officeDocument/2006/relationships" xmlns:p="http://schemas.openxmlformats.org/presentationml/2006/main">
   <p:cSld>
     <p:spTree>
@@ -21097,7 +21259,7 @@
           <a:p>
             <a:fld id="{27CE633F-9882-4A5C-83A2-1109D0C73261}" type="slidenum">
               <a:rPr lang="en-US" smtClean="0"/>
-              <a:t>33</a:t>
+              <a:t>34</a:t>
             </a:fld>
             <a:endParaRPr lang="en-US" dirty="0"/>
           </a:p>
@@ -22059,7 +22221,7 @@
 </p:sld>
 </file>
 
-<file path=ppt/slides/slide34.xml><?xml version="1.0" encoding="utf-8"?>
+<file path=ppt/slides/slide35.xml><?xml version="1.0" encoding="utf-8"?>
 <p:sld xmlns:a="http://schemas.openxmlformats.org/drawingml/2006/main" xmlns:r="http://schemas.openxmlformats.org/officeDocument/2006/relationships" xmlns:p="http://schemas.openxmlformats.org/presentationml/2006/main">
   <p:cSld>
     <p:spTree>
@@ -23029,7 +23191,7 @@
           <a:p>
             <a:fld id="{294A09A9-5501-47C1-A89A-A340965A2BE2}" type="slidenum">
               <a:rPr lang="en-US" smtClean="0"/>
-              <a:t>34</a:t>
+              <a:t>35</a:t>
             </a:fld>
             <a:endParaRPr lang="en-US" dirty="0"/>
           </a:p>
@@ -23108,7 +23270,7 @@
 </p:sld>
 </file>
 
-<file path=ppt/slides/slide35.xml><?xml version="1.0" encoding="utf-8"?>
+<file path=ppt/slides/slide36.xml><?xml version="1.0" encoding="utf-8"?>
 <p:sld xmlns:a="http://schemas.openxmlformats.org/drawingml/2006/main" xmlns:r="http://schemas.openxmlformats.org/officeDocument/2006/relationships" xmlns:p="http://schemas.openxmlformats.org/presentationml/2006/main">
   <p:cSld>
     <p:spTree>
@@ -24070,7 +24232,7 @@
           <a:p>
             <a:fld id="{294A09A9-5501-47C1-A89A-A340965A2BE2}" type="slidenum">
               <a:rPr lang="en-US" smtClean="0"/>
-              <a:t>35</a:t>
+              <a:t>36</a:t>
             </a:fld>
             <a:endParaRPr lang="en-US" dirty="0"/>
           </a:p>
@@ -24179,7 +24341,7 @@
 </p:sld>
 </file>
 
-<file path=ppt/slides/slide36.xml><?xml version="1.0" encoding="utf-8"?>
+<file path=ppt/slides/slide37.xml><?xml version="1.0" encoding="utf-8"?>
 <p:sld xmlns:a="http://schemas.openxmlformats.org/drawingml/2006/main" xmlns:r="http://schemas.openxmlformats.org/officeDocument/2006/relationships" xmlns:p="http://schemas.openxmlformats.org/presentationml/2006/main">
   <p:cSld>
     <p:spTree>
@@ -25136,7 +25298,7 @@
           <a:p>
             <a:fld id="{294A09A9-5501-47C1-A89A-A340965A2BE2}" type="slidenum">
               <a:rPr lang="en-US" smtClean="0"/>
-              <a:t>36</a:t>
+              <a:t>37</a:t>
             </a:fld>
             <a:endParaRPr lang="en-US" dirty="0"/>
           </a:p>
@@ -25987,7 +26149,7 @@
 </p:sld>
 </file>
 
-<file path=ppt/slides/slide37.xml><?xml version="1.0" encoding="utf-8"?>
+<file path=ppt/slides/slide38.xml><?xml version="1.0" encoding="utf-8"?>
 <p:sld xmlns:a="http://schemas.openxmlformats.org/drawingml/2006/main" xmlns:r="http://schemas.openxmlformats.org/officeDocument/2006/relationships" xmlns:p="http://schemas.openxmlformats.org/presentationml/2006/main">
   <p:cSld>
     <p:spTree>
@@ -26126,7 +26288,7 @@
           <a:p>
             <a:fld id="{27CE633F-9882-4A5C-83A2-1109D0C73261}" type="slidenum">
               <a:rPr lang="en-US" smtClean="0"/>
-              <a:t>37</a:t>
+              <a:t>38</a:t>
             </a:fld>
             <a:endParaRPr lang="en-US" dirty="0"/>
           </a:p>
@@ -28504,21 +28666,6 @@
 </file>
 
 <file path=customXml/item1.xml><?xml version="1.0" encoding="utf-8"?>
-<?mso-contentType ?>
-<FormTemplates xmlns="http://schemas.microsoft.com/sharepoint/v3/contenttype/forms">
-  <Display>DocumentLibraryForm</Display>
-  <Edit>DocumentLibraryForm</Edit>
-  <New>DocumentLibraryForm</New>
-</FormTemplates>
-</file>
-
-<file path=customXml/item2.xml><?xml version="1.0" encoding="utf-8"?>
-<p:properties xmlns:p="http://schemas.microsoft.com/office/2006/metadata/properties" xmlns:xsi="http://www.w3.org/2001/XMLSchema-instance" xmlns:pc="http://schemas.microsoft.com/office/infopath/2007/PartnerControls">
-  <documentManagement/>
-</p:properties>
-</file>
-
-<file path=customXml/item3.xml><?xml version="1.0" encoding="utf-8"?>
 <ct:contentTypeSchema xmlns:ct="http://schemas.microsoft.com/office/2006/metadata/contentType" xmlns:ma="http://schemas.microsoft.com/office/2006/metadata/properties/metaAttributes" ct:_="" ma:_="" ma:contentTypeName="Document" ma:contentTypeID="0x0101006D0F52D95DF3DD4A8EEA72E222B865A8" ma:contentTypeVersion="11" ma:contentTypeDescription="Create a new document." ma:contentTypeScope="" ma:versionID="adf0094ae65f2ae31cd90c693eda9737">
   <xsd:schema xmlns:xsd="http://www.w3.org/2001/XMLSchema" xmlns:xs="http://www.w3.org/2001/XMLSchema" xmlns:p="http://schemas.microsoft.com/office/2006/metadata/properties" xmlns:ns3="ce9e627f-38e0-47ff-9da5-0da09c8bf268" xmlns:ns4="a36c42b3-db64-4867-a1b7-ea57dfafac9c" targetNamespace="http://schemas.microsoft.com/office/2006/metadata/properties" ma:root="true" ma:fieldsID="dd325ec2c63c36a043ab8752fcb33a6b" ns3:_="" ns4:_="">
     <xsd:import namespace="ce9e627f-38e0-47ff-9da5-0da09c8bf268"/>
@@ -28727,10 +28874,36 @@
 </ct:contentTypeSchema>
 </file>
 
+<file path=customXml/item2.xml><?xml version="1.0" encoding="utf-8"?>
+<p:properties xmlns:p="http://schemas.microsoft.com/office/2006/metadata/properties" xmlns:xsi="http://www.w3.org/2001/XMLSchema-instance" xmlns:pc="http://schemas.microsoft.com/office/infopath/2007/PartnerControls">
+  <documentManagement/>
+</p:properties>
+</file>
+
+<file path=customXml/item3.xml><?xml version="1.0" encoding="utf-8"?>
+<?mso-contentType ?>
+<FormTemplates xmlns="http://schemas.microsoft.com/sharepoint/v3/contenttype/forms">
+  <Display>DocumentLibraryForm</Display>
+  <Edit>DocumentLibraryForm</Edit>
+  <New>DocumentLibraryForm</New>
+</FormTemplates>
+</file>
+
 <file path=customXml/itemProps1.xml><?xml version="1.0" encoding="utf-8"?>
-<ds:datastoreItem xmlns:ds="http://schemas.openxmlformats.org/officeDocument/2006/customXml" ds:itemID="{AA0EFE35-5C2D-4EEC-93CA-7B3D4088735C}">
+<ds:datastoreItem xmlns:ds="http://schemas.openxmlformats.org/officeDocument/2006/customXml" ds:itemID="{A8EAC2D1-C7A0-4AB1-9F20-55952F85AC16}">
   <ds:schemaRefs>
-    <ds:schemaRef ds:uri="http://schemas.microsoft.com/sharepoint/v3/contenttype/forms"/>
+    <ds:schemaRef ds:uri="http://schemas.microsoft.com/office/2006/metadata/contentType"/>
+    <ds:schemaRef ds:uri="http://schemas.microsoft.com/office/2006/metadata/properties/metaAttributes"/>
+    <ds:schemaRef ds:uri="http://www.w3.org/2001/XMLSchema"/>
+    <ds:schemaRef ds:uri="http://schemas.microsoft.com/office/2006/metadata/properties"/>
+    <ds:schemaRef ds:uri="ce9e627f-38e0-47ff-9da5-0da09c8bf268"/>
+    <ds:schemaRef ds:uri="a36c42b3-db64-4867-a1b7-ea57dfafac9c"/>
+    <ds:schemaRef ds:uri="http://schemas.microsoft.com/office/2006/documentManagement/types"/>
+    <ds:schemaRef ds:uri="http://schemas.microsoft.com/office/infopath/2007/PartnerControls"/>
+    <ds:schemaRef ds:uri="http://schemas.openxmlformats.org/package/2006/metadata/core-properties"/>
+    <ds:schemaRef ds:uri="http://purl.org/dc/elements/1.1/"/>
+    <ds:schemaRef ds:uri="http://purl.org/dc/terms/"/>
+    <ds:schemaRef ds:uri="http://schemas.microsoft.com/internal/obd"/>
   </ds:schemaRefs>
 </ds:datastoreItem>
 </file>
@@ -28753,20 +28926,9 @@
 </file>
 
 <file path=customXml/itemProps3.xml><?xml version="1.0" encoding="utf-8"?>
-<ds:datastoreItem xmlns:ds="http://schemas.openxmlformats.org/officeDocument/2006/customXml" ds:itemID="{A8EAC2D1-C7A0-4AB1-9F20-55952F85AC16}">
+<ds:datastoreItem xmlns:ds="http://schemas.openxmlformats.org/officeDocument/2006/customXml" ds:itemID="{AA0EFE35-5C2D-4EEC-93CA-7B3D4088735C}">
   <ds:schemaRefs>
-    <ds:schemaRef ds:uri="http://schemas.microsoft.com/office/2006/metadata/contentType"/>
-    <ds:schemaRef ds:uri="http://schemas.microsoft.com/office/2006/metadata/properties/metaAttributes"/>
-    <ds:schemaRef ds:uri="http://www.w3.org/2001/XMLSchema"/>
-    <ds:schemaRef ds:uri="http://schemas.microsoft.com/office/2006/metadata/properties"/>
-    <ds:schemaRef ds:uri="ce9e627f-38e0-47ff-9da5-0da09c8bf268"/>
-    <ds:schemaRef ds:uri="a36c42b3-db64-4867-a1b7-ea57dfafac9c"/>
-    <ds:schemaRef ds:uri="http://schemas.microsoft.com/office/2006/documentManagement/types"/>
-    <ds:schemaRef ds:uri="http://schemas.microsoft.com/office/infopath/2007/PartnerControls"/>
-    <ds:schemaRef ds:uri="http://schemas.openxmlformats.org/package/2006/metadata/core-properties"/>
-    <ds:schemaRef ds:uri="http://purl.org/dc/elements/1.1/"/>
-    <ds:schemaRef ds:uri="http://purl.org/dc/terms/"/>
-    <ds:schemaRef ds:uri="http://schemas.microsoft.com/internal/obd"/>
+    <ds:schemaRef ds:uri="http://schemas.microsoft.com/sharepoint/v3/contenttype/forms"/>
   </ds:schemaRefs>
 </ds:datastoreItem>
 </file>